--- a/slides/06-one-way-anova-kw.pptx
+++ b/slides/06-one-way-anova-kw.pptx
@@ -54,26 +54,26 @@
   <p:notesSz cx="10233025" cy="7102475"/>
   <p:embeddedFontLst>
     <p:embeddedFont>
+      <p:font typeface="Cambria Math" panose="02040503050406030204" pitchFamily="18" charset="0"/>
+      <p:regular r:id="rId42"/>
+    </p:embeddedFont>
+    <p:embeddedFont>
+      <p:font typeface="Lucida Console" panose="020B0609040504020204" pitchFamily="49" charset="0"/>
+      <p:regular r:id="rId43"/>
+    </p:embeddedFont>
+    <p:embeddedFont>
       <p:font typeface="Calibri" panose="020F0502020204030204" pitchFamily="34" charset="0"/>
-      <p:regular r:id="rId42"/>
-      <p:bold r:id="rId43"/>
-      <p:italic r:id="rId44"/>
-      <p:boldItalic r:id="rId45"/>
+      <p:regular r:id="rId44"/>
+      <p:bold r:id="rId45"/>
+      <p:italic r:id="rId46"/>
+      <p:boldItalic r:id="rId47"/>
     </p:embeddedFont>
     <p:embeddedFont>
       <p:font typeface="Verdana" panose="020B0604030504040204" pitchFamily="34" charset="0"/>
-      <p:regular r:id="rId46"/>
-      <p:bold r:id="rId47"/>
-      <p:italic r:id="rId48"/>
-      <p:boldItalic r:id="rId49"/>
-    </p:embeddedFont>
-    <p:embeddedFont>
-      <p:font typeface="Cambria Math" panose="02040503050406030204" pitchFamily="18" charset="0"/>
-      <p:regular r:id="rId50"/>
-    </p:embeddedFont>
-    <p:embeddedFont>
-      <p:font typeface="Lucida Console" panose="020B0609040504020204" pitchFamily="49" charset="0"/>
-      <p:regular r:id="rId51"/>
+      <p:regular r:id="rId48"/>
+      <p:bold r:id="rId49"/>
+      <p:italic r:id="rId50"/>
+      <p:boldItalic r:id="rId51"/>
     </p:embeddedFont>
   </p:embeddedFontLst>
   <p:custDataLst>
@@ -582,7 +582,7 @@
           <a:p>
             <a:fld id="{C8B221E9-F974-4869-B9C8-E1512ECFD807}" type="datetimeFigureOut">
               <a:rPr lang="en-GB" smtClean="0"/>
-              <a:t>15/02/2021</a:t>
+              <a:t>22/02/2021</a:t>
             </a:fld>
             <a:endParaRPr lang="en-GB"/>
           </a:p>
@@ -747,7 +747,7 @@
           <a:p>
             <a:fld id="{8410BF60-2399-471B-88B8-98E5D19A2C28}" type="datetimeFigureOut">
               <a:rPr lang="en-GB" smtClean="0"/>
-              <a:t>15/02/2021</a:t>
+              <a:t>22/02/2021</a:t>
             </a:fld>
             <a:endParaRPr lang="en-GB"/>
           </a:p>
@@ -6625,7 +6625,7 @@
           <a:p>
             <a:fld id="{8D8741C9-1E1B-4FF3-A7E9-1243E9823EB4}" type="datetime1">
               <a:rPr lang="en-US" smtClean="0"/>
-              <a:t>2/15/2021</a:t>
+              <a:t>2/22/2021</a:t>
             </a:fld>
             <a:endParaRPr lang="en-US"/>
           </a:p>
@@ -6791,7 +6791,7 @@
           <a:p>
             <a:fld id="{A612FBD6-812A-4416-A980-4B9119C35DA5}" type="datetime1">
               <a:rPr lang="en-US" smtClean="0"/>
-              <a:t>2/15/2021</a:t>
+              <a:t>2/22/2021</a:t>
             </a:fld>
             <a:endParaRPr lang="en-US"/>
           </a:p>
@@ -6967,7 +6967,7 @@
           <a:p>
             <a:fld id="{36BDB8FA-BBB8-495B-B161-4F7BDFDDEDA3}" type="datetime1">
               <a:rPr lang="en-US" smtClean="0"/>
-              <a:t>2/15/2021</a:t>
+              <a:t>2/22/2021</a:t>
             </a:fld>
             <a:endParaRPr lang="en-US"/>
           </a:p>
@@ -7133,7 +7133,7 @@
           <a:p>
             <a:fld id="{E20C214B-656F-4D67-9F4A-70D59F6620AC}" type="datetime1">
               <a:rPr lang="en-US" smtClean="0"/>
-              <a:t>2/15/2021</a:t>
+              <a:t>2/22/2021</a:t>
             </a:fld>
             <a:endParaRPr lang="en-US"/>
           </a:p>
@@ -7252,7 +7252,7 @@
           <a:p>
             <a:fld id="{E20C214B-656F-4D67-9F4A-70D59F6620AC}" type="datetime1">
               <a:rPr lang="en-US" smtClean="0"/>
-              <a:t>2/15/2021</a:t>
+              <a:t>2/22/2021</a:t>
             </a:fld>
             <a:endParaRPr lang="en-US"/>
           </a:p>
@@ -7445,7 +7445,7 @@
           <a:p>
             <a:fld id="{C75385EC-3DC5-4FB3-BD46-054AE38A1DA3}" type="datetime1">
               <a:rPr lang="en-US" smtClean="0"/>
-              <a:t>2/15/2021</a:t>
+              <a:t>2/22/2021</a:t>
             </a:fld>
             <a:endParaRPr lang="en-US"/>
           </a:p>
@@ -7687,7 +7687,7 @@
           <a:p>
             <a:fld id="{2F304D26-DE6E-4F1A-B4D1-9E6E5BEF65E2}" type="datetime1">
               <a:rPr lang="en-US" smtClean="0"/>
-              <a:t>2/15/2021</a:t>
+              <a:t>2/22/2021</a:t>
             </a:fld>
             <a:endParaRPr lang="en-US"/>
           </a:p>
@@ -7971,7 +7971,7 @@
           <a:p>
             <a:fld id="{20DF7611-242A-4AB8-BF3D-8696A364C66C}" type="datetime1">
               <a:rPr lang="en-US" smtClean="0"/>
-              <a:t>2/15/2021</a:t>
+              <a:t>2/22/2021</a:t>
             </a:fld>
             <a:endParaRPr lang="en-US"/>
           </a:p>
@@ -8389,7 +8389,7 @@
           <a:p>
             <a:fld id="{DBB8C006-CEDD-4D5A-BF40-3F5AD76685BA}" type="datetime1">
               <a:rPr lang="en-US" smtClean="0"/>
-              <a:t>2/15/2021</a:t>
+              <a:t>2/22/2021</a:t>
             </a:fld>
             <a:endParaRPr lang="en-US"/>
           </a:p>
@@ -8503,7 +8503,7 @@
           <a:p>
             <a:fld id="{203F5178-2C49-4CC5-9BF1-3EA0F730AC68}" type="datetime1">
               <a:rPr lang="en-US" smtClean="0"/>
-              <a:t>2/15/2021</a:t>
+              <a:t>2/22/2021</a:t>
             </a:fld>
             <a:endParaRPr lang="en-US"/>
           </a:p>
@@ -8594,7 +8594,7 @@
           <a:p>
             <a:fld id="{CB5083F6-940C-434A-A58D-C14A68B618CE}" type="datetime1">
               <a:rPr lang="en-US" smtClean="0"/>
-              <a:t>2/15/2021</a:t>
+              <a:t>2/22/2021</a:t>
             </a:fld>
             <a:endParaRPr lang="en-US"/>
           </a:p>
@@ -8867,7 +8867,7 @@
           <a:p>
             <a:fld id="{6B69DB20-2F70-429C-8D6F-BD64D4D77F86}" type="datetime1">
               <a:rPr lang="en-US" smtClean="0"/>
-              <a:t>2/15/2021</a:t>
+              <a:t>2/22/2021</a:t>
             </a:fld>
             <a:endParaRPr lang="en-US"/>
           </a:p>
@@ -9116,7 +9116,7 @@
           <a:p>
             <a:fld id="{C1CA00C8-74D9-48C2-9E25-45761229EB05}" type="datetime1">
               <a:rPr lang="en-US" smtClean="0"/>
-              <a:t>2/15/2021</a:t>
+              <a:t>2/22/2021</a:t>
             </a:fld>
             <a:endParaRPr lang="en-US"/>
           </a:p>
@@ -9325,7 +9325,7 @@
           <a:p>
             <a:fld id="{E20C214B-656F-4D67-9F4A-70D59F6620AC}" type="datetime1">
               <a:rPr lang="en-US" smtClean="0"/>
-              <a:t>2/15/2021</a:t>
+              <a:t>2/22/2021</a:t>
             </a:fld>
             <a:endParaRPr lang="en-US"/>
           </a:p>
@@ -9732,7 +9732,6 @@
               <a:rPr lang="en-GB" dirty="0"/>
               <a:t>Data Analysis in R</a:t>
             </a:r>
-            <a:endParaRPr lang="en-GB" dirty="0"/>
           </a:p>
         </p:txBody>
       </p:sp>
@@ -10468,7 +10467,6 @@
               <a:rPr lang="en-GB" altLang="en-US" dirty="0" smtClean="0"/>
               <a:t>Assumptions and alternative</a:t>
             </a:r>
-            <a:endParaRPr lang="en-GB" altLang="en-US" dirty="0" smtClean="0"/>
           </a:p>
         </p:txBody>
       </p:sp>
@@ -11162,13 +11160,8 @@
             </a:pPr>
             <a:r>
               <a:rPr lang="en-GB" dirty="0" smtClean="0"/>
-              <a:t>One response, one categorical explanatory variable (“one-way </a:t>
-            </a:r>
-            <a:r>
-              <a:rPr lang="en-GB" dirty="0" smtClean="0"/>
-              <a:t>ANOVA” or “one-factor ANOVA”)</a:t>
-            </a:r>
-            <a:endParaRPr lang="en-GB" dirty="0" smtClean="0"/>
+              <a:t>One response, one categorical explanatory variable (“one-way ANOVA” or “one-factor ANOVA”)</a:t>
+            </a:r>
           </a:p>
           <a:p>
             <a:pPr marL="0" indent="0">
@@ -11184,15 +11177,7 @@
             </a:pPr>
             <a:r>
               <a:rPr lang="en-GB" dirty="0" smtClean="0"/>
-              <a:t>These </a:t>
-            </a:r>
-            <a:r>
-              <a:rPr lang="en-GB" dirty="0" smtClean="0"/>
-              <a:t>data are in tidy </a:t>
-            </a:r>
-            <a:r>
-              <a:rPr lang="en-GB" dirty="0" smtClean="0"/>
-              <a:t>format</a:t>
+              <a:t>These data are in tidy format</a:t>
             </a:r>
             <a:r>
               <a:rPr lang="en-GB" dirty="0"/>
@@ -14968,15 +14953,7 @@
             </a:pPr>
             <a:r>
               <a:rPr lang="en-GB" altLang="en-US" sz="3000" dirty="0" smtClean="0"/>
-              <a:t>It is </a:t>
-            </a:r>
-            <a:r>
-              <a:rPr lang="en-GB" altLang="en-US" sz="3000" dirty="0" smtClean="0"/>
-              <a:t>variable </a:t>
-            </a:r>
-            <a:r>
-              <a:rPr lang="en-GB" altLang="en-US" sz="3000" dirty="0" smtClean="0"/>
-              <a:t>MS / Residual MS</a:t>
+              <a:t>It is variable MS / Residual MS</a:t>
             </a:r>
           </a:p>
           <a:p>
@@ -20754,27 +20731,12 @@
           </a:lstStyle>
           <a:p>
             <a:r>
-              <a:rPr lang="en-GB" altLang="en-US" sz="2800" i="1" dirty="0"/>
-              <a:t>t</a:t>
-            </a:r>
-            <a:r>
-              <a:rPr lang="en-GB" altLang="en-US" sz="2800" dirty="0"/>
-              <a:t>-tests</a:t>
-            </a:r>
-            <a:r>
-              <a:rPr lang="en-GB" altLang="en-US" dirty="0"/>
-              <a:t/>
-            </a:r>
-            <a:br>
-              <a:rPr lang="en-GB" altLang="en-US" dirty="0"/>
-            </a:br>
-            <a:r>
               <a:rPr lang="en-GB" altLang="en-US" dirty="0" smtClean="0"/>
-              <a:t>One-way ANOVA </a:t>
+              <a:t>One-way </a:t>
             </a:r>
             <a:r>
               <a:rPr lang="en-GB" altLang="en-US" dirty="0" smtClean="0"/>
-              <a:t>summary</a:t>
+              <a:t>ANOVA summary</a:t>
             </a:r>
             <a:endParaRPr lang="en-GB" altLang="en-US" dirty="0"/>
           </a:p>
@@ -20842,15 +20804,7 @@
             </a:r>
             <a:r>
               <a:rPr lang="en-GB" sz="2800" kern="0" dirty="0" smtClean="0"/>
-              <a:t>for a difference between </a:t>
-            </a:r>
-            <a:r>
-              <a:rPr lang="en-GB" sz="2800" kern="0" dirty="0" smtClean="0"/>
-              <a:t>two OR more </a:t>
-            </a:r>
-            <a:r>
-              <a:rPr lang="en-GB" sz="2800" kern="0" dirty="0" smtClean="0"/>
-              <a:t>independent means</a:t>
+              <a:t>for a difference between two OR more independent means</a:t>
             </a:r>
             <a:endParaRPr lang="en-GB" sz="2800" kern="0" dirty="0"/>
           </a:p>
@@ -20920,13 +20874,7 @@
               <a:rPr lang="it-IT" sz="2000" i="1" kern="0" dirty="0" smtClean="0">
                 <a:latin typeface="Lucida Console" panose="020B0609040504020204" pitchFamily="49" charset="0"/>
               </a:rPr>
-              <a:t>response ~ </a:t>
-            </a:r>
-            <a:r>
-              <a:rPr lang="it-IT" sz="2000" i="1" kern="0" dirty="0" smtClean="0">
-                <a:latin typeface="Lucida Console" panose="020B0609040504020204" pitchFamily="49" charset="0"/>
-              </a:rPr>
-              <a:t>explanatory</a:t>
+              <a:t>response ~ explanatory</a:t>
             </a:r>
             <a:r>
               <a:rPr lang="it-IT" sz="2000" kern="0" dirty="0" smtClean="0">
@@ -20991,7 +20939,6 @@
               <a:rPr lang="en-GB" sz="2800" kern="0" dirty="0" smtClean="0"/>
               <a:t>continued</a:t>
             </a:r>
-            <a:endParaRPr lang="en-GB" sz="2800" kern="0" dirty="0" smtClean="0"/>
           </a:p>
           <a:p>
             <a:pPr>
@@ -21117,27 +21064,12 @@
           </a:lstStyle>
           <a:p>
             <a:r>
-              <a:rPr lang="en-GB" altLang="en-US" sz="2800" i="1" dirty="0"/>
-              <a:t>t</a:t>
-            </a:r>
-            <a:r>
-              <a:rPr lang="en-GB" altLang="en-US" sz="2800" dirty="0"/>
-              <a:t>-tests</a:t>
-            </a:r>
-            <a:r>
-              <a:rPr lang="en-GB" altLang="en-US" dirty="0"/>
-              <a:t/>
-            </a:r>
-            <a:br>
-              <a:rPr lang="en-GB" altLang="en-US" dirty="0"/>
-            </a:br>
-            <a:r>
               <a:rPr lang="en-GB" altLang="en-US" dirty="0" smtClean="0"/>
-              <a:t>One-way ANOVA </a:t>
+              <a:t>One-way </a:t>
             </a:r>
             <a:r>
               <a:rPr lang="en-GB" altLang="en-US" dirty="0" smtClean="0"/>
-              <a:t>summary</a:t>
+              <a:t>ANOVA summary</a:t>
             </a:r>
             <a:endParaRPr lang="en-GB" altLang="en-US" dirty="0"/>
           </a:p>
@@ -21226,11 +21158,7 @@
             </a:pPr>
             <a:r>
               <a:rPr lang="en-US" sz="2800" kern="0" dirty="0" smtClean="0"/>
-              <a:t>Significance</a:t>
-            </a:r>
-            <a:r>
-              <a:rPr lang="en-US" sz="2800" kern="0" dirty="0" smtClean="0"/>
-              <a:t>, direction, magnitude</a:t>
+              <a:t>Significance, direction, magnitude</a:t>
             </a:r>
           </a:p>
           <a:p>
@@ -21357,11 +21285,7 @@
             </a:r>
             <a:r>
               <a:rPr lang="en-US" smtClean="0"/>
-              <a:t>the </a:t>
-            </a:r>
-            <a:r>
-              <a:rPr lang="en-US" smtClean="0"/>
-              <a:t>one-way ANOVA</a:t>
+              <a:t>the one-way ANOVA</a:t>
             </a:r>
             <a:endParaRPr lang="en-US" dirty="0"/>
           </a:p>
@@ -23717,11 +23641,7 @@
             </a:r>
             <a:r>
               <a:rPr lang="en-GB" altLang="en-US" dirty="0" smtClean="0"/>
-              <a:t>-Wallis </a:t>
-            </a:r>
-            <a:r>
-              <a:rPr lang="en-GB" altLang="en-US" dirty="0" smtClean="0"/>
-              <a:t>summary</a:t>
+              <a:t>-Wallis summary</a:t>
             </a:r>
             <a:endParaRPr lang="en-GB" altLang="en-US" dirty="0"/>
           </a:p>
@@ -23787,15 +23707,7 @@
             </a:pPr>
             <a:r>
               <a:rPr lang="en-GB" sz="3200" kern="0" dirty="0" smtClean="0"/>
-              <a:t>when assumptions for </a:t>
-            </a:r>
-            <a:r>
-              <a:rPr lang="en-GB" sz="3200" kern="0" dirty="0" smtClean="0"/>
-              <a:t>one-way ANOVA </a:t>
-            </a:r>
-            <a:r>
-              <a:rPr lang="en-GB" sz="3200" kern="0" dirty="0" smtClean="0"/>
-              <a:t>not met </a:t>
+              <a:t>when assumptions for one-way ANOVA not met </a:t>
             </a:r>
           </a:p>
           <a:p>
@@ -23821,11 +23733,7 @@
             </a:r>
             <a:r>
               <a:rPr lang="en-GB" sz="3200" kern="0" dirty="0" smtClean="0"/>
-              <a:t>the mean </a:t>
-            </a:r>
-            <a:r>
-              <a:rPr lang="en-GB" sz="3200" kern="0" dirty="0" smtClean="0"/>
-              <a:t>ranks differ</a:t>
+              <a:t>the mean ranks differ</a:t>
             </a:r>
             <a:endParaRPr lang="en-GB" sz="3200" kern="0" dirty="0"/>
           </a:p>
@@ -24095,11 +24003,7 @@
           <a:p>
             <a:r>
               <a:rPr lang="en-GB" dirty="0" smtClean="0"/>
-              <a:t>Explain the rationale behind ANOVA </a:t>
-            </a:r>
-            <a:r>
-              <a:rPr lang="en-GB" dirty="0" smtClean="0"/>
-              <a:t>understand the meaning of the </a:t>
+              <a:t>Explain the rationale behind ANOVA understand the meaning of the </a:t>
             </a:r>
             <a:r>
               <a:rPr lang="en-GB" i="1" dirty="0" smtClean="0"/>
@@ -24107,15 +24011,7 @@
             </a:r>
             <a:r>
               <a:rPr lang="en-GB" dirty="0" smtClean="0"/>
-              <a:t> values (MLO </a:t>
-            </a:r>
-            <a:r>
-              <a:rPr lang="en-GB" dirty="0" smtClean="0"/>
-              <a:t>1 and 2</a:t>
-            </a:r>
-            <a:r>
-              <a:rPr lang="en-GB" dirty="0" smtClean="0"/>
-              <a:t>)</a:t>
+              <a:t> values (MLO 1 and 2)</a:t>
             </a:r>
           </a:p>
           <a:p>
@@ -25163,36 +25059,23 @@
               <a:rPr lang="en-GB" dirty="0" smtClean="0"/>
               <a:t>Type I error: Rejecting the null hypothesis when it is true </a:t>
             </a:r>
-            <a:endParaRPr lang="en-GB" dirty="0" smtClean="0"/>
           </a:p>
           <a:p>
             <a:r>
               <a:rPr lang="en-GB" dirty="0" smtClean="0"/>
-              <a:t>This </a:t>
-            </a:r>
+              <a:t>This will happen with a probability of 0.05</a:t>
+            </a:r>
+          </a:p>
+          <a:p>
             <a:r>
               <a:rPr lang="en-GB" dirty="0" smtClean="0"/>
-              <a:t>will happen with a probability of 0.05</a:t>
+              <a:t>Doing lots of comparisons increases the type 1 error rate</a:t>
             </a:r>
           </a:p>
           <a:p>
             <a:r>
               <a:rPr lang="en-GB" dirty="0" smtClean="0"/>
-              <a:t>Doing </a:t>
-            </a:r>
-            <a:r>
-              <a:rPr lang="en-GB" dirty="0" smtClean="0"/>
-              <a:t>lots of comparisons increases the type 1 error rate</a:t>
-            </a:r>
-          </a:p>
-          <a:p>
-            <a:r>
-              <a:rPr lang="en-GB" dirty="0" smtClean="0"/>
-              <a:t>ANOVA </a:t>
-            </a:r>
-            <a:r>
-              <a:rPr lang="en-GB" dirty="0" smtClean="0"/>
-              <a:t>tests for an effect of the explanatory variable without increasing type 1 error rate</a:t>
+              <a:t>ANOVA tests for an effect of the explanatory variable without increasing type 1 error rate</a:t>
             </a:r>
             <a:endParaRPr lang="en-GB" dirty="0"/>
           </a:p>
